--- a/Курсовая (ВКР) Заманов.pptx
+++ b/Курсовая (ВКР) Заманов.pptx
@@ -3555,7 +3555,15 @@
             </a:r>
             <a:r>
               <a:rPr lang="ru-RU" sz="2000" b="1" dirty="0" smtClean="0"/>
-              <a:t>Исследование изображений плевральных выпотом для ранней диагностики заболеваний»</a:t>
+              <a:t>Исследование изображений плевральных </a:t>
+            </a:r>
+            <a:r>
+              <a:rPr lang="ru-RU" sz="2000" b="1" dirty="0" smtClean="0"/>
+              <a:t>выпотов </a:t>
+            </a:r>
+            <a:r>
+              <a:rPr lang="ru-RU" sz="2000" b="1" dirty="0" smtClean="0"/>
+              <a:t>для ранней диагностики заболеваний»</a:t>
             </a:r>
             <a:endParaRPr lang="ru-RU" sz="2000" dirty="0"/>
           </a:p>
@@ -6636,21 +6644,72 @@
                 <a:latin typeface="Arial" panose="020B0604020202020204" pitchFamily="34" charset="0"/>
                 <a:cs typeface="Arial" panose="020B0604020202020204" pitchFamily="34" charset="0"/>
               </a:rPr>
+              <a:t> с параметром </a:t>
+            </a:r>
+            <a:r>
+              <a:rPr lang="en-US" sz="2000" dirty="0" smtClean="0">
+                <a:latin typeface="Arial" panose="020B0604020202020204" pitchFamily="34" charset="0"/>
+                <a:cs typeface="Arial" panose="020B0604020202020204" pitchFamily="34" charset="0"/>
+              </a:rPr>
+              <a:t>cv2.THRESH_BINARY</a:t>
+            </a:r>
+            <a:r>
+              <a:rPr lang="ru-RU" sz="2000" dirty="0" smtClean="0">
+                <a:latin typeface="Arial" panose="020B0604020202020204" pitchFamily="34" charset="0"/>
+                <a:cs typeface="Arial" panose="020B0604020202020204" pitchFamily="34" charset="0"/>
+              </a:rPr>
+              <a:t>.</a:t>
+            </a:r>
+          </a:p>
+          <a:p>
+            <a:r>
+              <a:rPr lang="ru-RU" sz="2000" b="1" dirty="0" err="1" smtClean="0">
+                <a:latin typeface="Arial" panose="020B0604020202020204" pitchFamily="34" charset="0"/>
+                <a:cs typeface="Arial" panose="020B0604020202020204" pitchFamily="34" charset="0"/>
+              </a:rPr>
+              <a:t>Adaptive</a:t>
+            </a:r>
+            <a:r>
+              <a:rPr lang="ru-RU" sz="2000" dirty="0" smtClean="0">
+                <a:latin typeface="Arial" panose="020B0604020202020204" pitchFamily="34" charset="0"/>
+                <a:cs typeface="Arial" panose="020B0604020202020204" pitchFamily="34" charset="0"/>
+              </a:rPr>
               <a:t> </a:t>
             </a:r>
             <a:r>
+              <a:rPr lang="ru-RU" sz="2000" dirty="0" err="1">
+                <a:latin typeface="Arial" panose="020B0604020202020204" pitchFamily="34" charset="0"/>
+                <a:cs typeface="Arial" panose="020B0604020202020204" pitchFamily="34" charset="0"/>
+              </a:rPr>
+              <a:t>Thresholding</a:t>
+            </a:r>
+            <a:r>
+              <a:rPr lang="ru-RU" sz="2000" dirty="0">
+                <a:latin typeface="Arial" panose="020B0604020202020204" pitchFamily="34" charset="0"/>
+                <a:cs typeface="Arial" panose="020B0604020202020204" pitchFamily="34" charset="0"/>
+              </a:rPr>
+              <a:t> (с использованием адаптивного </a:t>
+            </a:r>
+            <a:r>
               <a:rPr lang="ru-RU" sz="2000" dirty="0" smtClean="0">
                 <a:latin typeface="Arial" panose="020B0604020202020204" pitchFamily="34" charset="0"/>
                 <a:cs typeface="Arial" panose="020B0604020202020204" pitchFamily="34" charset="0"/>
               </a:rPr>
-              <a:t>с параметром </a:t>
+              <a:t>порога) - </a:t>
+            </a:r>
+            <a:r>
+              <a:rPr lang="en-US" sz="2000" dirty="0">
+                <a:latin typeface="Arial" panose="020B0604020202020204" pitchFamily="34" charset="0"/>
+                <a:cs typeface="Arial" panose="020B0604020202020204" pitchFamily="34" charset="0"/>
+              </a:rPr>
+              <a:t>cv2.adaptiveThreshold</a:t>
             </a:r>
             <a:r>
               <a:rPr lang="en-US" sz="2000" dirty="0" smtClean="0">
                 <a:latin typeface="Arial" panose="020B0604020202020204" pitchFamily="34" charset="0"/>
                 <a:cs typeface="Arial" panose="020B0604020202020204" pitchFamily="34" charset="0"/>
               </a:rPr>
-              <a:t>cv2.THRESH_BINARY</a:t>
+              <a:t>()</a:t>
             </a:r>
             <a:r>
               <a:rPr lang="ru-RU" sz="2000" dirty="0" smtClean="0">
@@ -6666,7 +6725,7 @@
                 <a:latin typeface="Arial" panose="020B0604020202020204" pitchFamily="34" charset="0"/>
                 <a:cs typeface="Arial" panose="020B0604020202020204" pitchFamily="34" charset="0"/>
               </a:rPr>
-              <a:t>Adaptive</a:t>
+              <a:t>Otsu’s</a:t>
             </a:r>
             <a:r>
               <a:rPr lang="ru-RU" sz="2000" dirty="0" smtClean="0">
@@ -6680,114 +6739,49 @@
                 <a:latin typeface="Arial" panose="020B0604020202020204" pitchFamily="34" charset="0"/>
                 <a:cs typeface="Arial" panose="020B0604020202020204" pitchFamily="34" charset="0"/>
               </a:rPr>
-              <a:t>Thresholding</a:t>
+              <a:t>Binarization</a:t>
             </a:r>
             <a:r>
               <a:rPr lang="ru-RU" sz="2000" dirty="0">
                 <a:latin typeface="Arial" panose="020B0604020202020204" pitchFamily="34" charset="0"/>
                 <a:cs typeface="Arial" panose="020B0604020202020204" pitchFamily="34" charset="0"/>
               </a:rPr>
-              <a:t> (с использованием адаптивного </a:t>
+              <a:t> (Бинаризация </a:t>
+            </a:r>
+            <a:r>
+              <a:rPr lang="ru-RU" sz="2000" dirty="0" err="1">
+                <a:latin typeface="Arial" panose="020B0604020202020204" pitchFamily="34" charset="0"/>
+                <a:cs typeface="Arial" panose="020B0604020202020204" pitchFamily="34" charset="0"/>
+              </a:rPr>
+              <a:t>Оцу</a:t>
             </a:r>
             <a:r>
               <a:rPr lang="ru-RU" sz="2000" dirty="0" smtClean="0">
                 <a:latin typeface="Arial" panose="020B0604020202020204" pitchFamily="34" charset="0"/>
                 <a:cs typeface="Arial" panose="020B0604020202020204" pitchFamily="34" charset="0"/>
               </a:rPr>
-              <a:t>порога) - </a:t>
+              <a:t>) - </a:t>
             </a:r>
             <a:r>
               <a:rPr lang="en-US" sz="2000" dirty="0">
                 <a:latin typeface="Arial" panose="020B0604020202020204" pitchFamily="34" charset="0"/>
                 <a:cs typeface="Arial" panose="020B0604020202020204" pitchFamily="34" charset="0"/>
               </a:rPr>
-              <a:t>cv2.adaptiveThreshold</a:t>
+              <a:t>cv2.threshold</a:t>
             </a:r>
             <a:r>
               <a:rPr lang="en-US" sz="2000" dirty="0" smtClean="0">
                 <a:latin typeface="Arial" panose="020B0604020202020204" pitchFamily="34" charset="0"/>
                 <a:cs typeface="Arial" panose="020B0604020202020204" pitchFamily="34" charset="0"/>
               </a:rPr>
-              <a:t>()</a:t>
+              <a:t>( )</a:t>
             </a:r>
             <a:r>
               <a:rPr lang="ru-RU" sz="2000" dirty="0" smtClean="0">
                 <a:latin typeface="Arial" panose="020B0604020202020204" pitchFamily="34" charset="0"/>
                 <a:cs typeface="Arial" panose="020B0604020202020204" pitchFamily="34" charset="0"/>
               </a:rPr>
-              <a:t>.</a:t>
-            </a:r>
-          </a:p>
-          <a:p>
-            <a:r>
-              <a:rPr lang="ru-RU" sz="2000" b="1" dirty="0" err="1" smtClean="0">
-                <a:latin typeface="Arial" panose="020B0604020202020204" pitchFamily="34" charset="0"/>
-                <a:cs typeface="Arial" panose="020B0604020202020204" pitchFamily="34" charset="0"/>
-              </a:rPr>
-              <a:t>Otsu’s</a:t>
-            </a:r>
-            <a:r>
-              <a:rPr lang="ru-RU" sz="2000" dirty="0" smtClean="0">
-                <a:latin typeface="Arial" panose="020B0604020202020204" pitchFamily="34" charset="0"/>
-                <a:cs typeface="Arial" panose="020B0604020202020204" pitchFamily="34" charset="0"/>
-              </a:rPr>
-              <a:t> </a:t>
-            </a:r>
-            <a:r>
-              <a:rPr lang="ru-RU" sz="2000" dirty="0" err="1">
-                <a:latin typeface="Arial" panose="020B0604020202020204" pitchFamily="34" charset="0"/>
-                <a:cs typeface="Arial" panose="020B0604020202020204" pitchFamily="34" charset="0"/>
-              </a:rPr>
-              <a:t>Binarization</a:t>
-            </a:r>
-            <a:r>
-              <a:rPr lang="ru-RU" sz="2000" dirty="0">
-                <a:latin typeface="Arial" panose="020B0604020202020204" pitchFamily="34" charset="0"/>
-                <a:cs typeface="Arial" panose="020B0604020202020204" pitchFamily="34" charset="0"/>
-              </a:rPr>
-              <a:t> (Бинаризация </a:t>
-            </a:r>
-            <a:r>
-              <a:rPr lang="ru-RU" sz="2000" dirty="0" err="1">
-                <a:latin typeface="Arial" panose="020B0604020202020204" pitchFamily="34" charset="0"/>
-                <a:cs typeface="Arial" panose="020B0604020202020204" pitchFamily="34" charset="0"/>
-              </a:rPr>
-              <a:t>Оцу</a:t>
-            </a:r>
-            <a:r>
-              <a:rPr lang="ru-RU" sz="2000" dirty="0" smtClean="0">
-                <a:latin typeface="Arial" panose="020B0604020202020204" pitchFamily="34" charset="0"/>
-                <a:cs typeface="Arial" panose="020B0604020202020204" pitchFamily="34" charset="0"/>
-              </a:rPr>
-              <a:t>) - </a:t>
-            </a:r>
-            <a:r>
-              <a:rPr lang="en-US" sz="2000" dirty="0">
-                <a:latin typeface="Arial" panose="020B0604020202020204" pitchFamily="34" charset="0"/>
-                <a:cs typeface="Arial" panose="020B0604020202020204" pitchFamily="34" charset="0"/>
-              </a:rPr>
-              <a:t>cv2.threshold</a:t>
-            </a:r>
-            <a:r>
-              <a:rPr lang="en-US" sz="2000" dirty="0" smtClean="0">
-                <a:latin typeface="Arial" panose="020B0604020202020204" pitchFamily="34" charset="0"/>
-                <a:cs typeface="Arial" panose="020B0604020202020204" pitchFamily="34" charset="0"/>
-              </a:rPr>
-              <a:t>( )</a:t>
-            </a:r>
-            <a:r>
-              <a:rPr lang="ru-RU" sz="2000" dirty="0" smtClean="0">
-                <a:latin typeface="Arial" panose="020B0604020202020204" pitchFamily="34" charset="0"/>
-                <a:cs typeface="Arial" panose="020B0604020202020204" pitchFamily="34" charset="0"/>
-              </a:rPr>
-              <a:t> </a:t>
-            </a:r>
-            <a:r>
-              <a:rPr lang="ru-RU" sz="2000" dirty="0" smtClean="0">
-                <a:latin typeface="Arial" panose="020B0604020202020204" pitchFamily="34" charset="0"/>
-                <a:cs typeface="Arial" panose="020B0604020202020204" pitchFamily="34" charset="0"/>
-              </a:rPr>
-              <a:t>с дополнительным параметром </a:t>
+              <a:t> с дополнительным параметром </a:t>
             </a:r>
             <a:r>
               <a:rPr lang="en-US" sz="2000" dirty="0" smtClean="0">
